--- a/docs/Common/доповідь.pptx
+++ b/docs/Common/доповідь.pptx
@@ -5,7 +5,7 @@
     <p:sldMasterId id="2147483659" r:id="rId1"/>
   </p:sldMasterIdLst>
   <p:notesMasterIdLst>
-    <p:notesMasterId r:id="rId21"/>
+    <p:notesMasterId r:id="rId22"/>
   </p:notesMasterIdLst>
   <p:sldIdLst>
     <p:sldId id="256" r:id="rId2"/>
@@ -18,28 +18,29 @@
     <p:sldId id="271" r:id="rId9"/>
     <p:sldId id="275" r:id="rId10"/>
     <p:sldId id="276" r:id="rId11"/>
-    <p:sldId id="277" r:id="rId12"/>
-    <p:sldId id="270" r:id="rId13"/>
-    <p:sldId id="273" r:id="rId14"/>
-    <p:sldId id="272" r:id="rId15"/>
-    <p:sldId id="274" r:id="rId16"/>
-    <p:sldId id="268" r:id="rId17"/>
-    <p:sldId id="267" r:id="rId18"/>
-    <p:sldId id="263" r:id="rId19"/>
-    <p:sldId id="266" r:id="rId20"/>
+    <p:sldId id="278" r:id="rId12"/>
+    <p:sldId id="277" r:id="rId13"/>
+    <p:sldId id="270" r:id="rId14"/>
+    <p:sldId id="273" r:id="rId15"/>
+    <p:sldId id="272" r:id="rId16"/>
+    <p:sldId id="274" r:id="rId17"/>
+    <p:sldId id="268" r:id="rId18"/>
+    <p:sldId id="267" r:id="rId19"/>
+    <p:sldId id="263" r:id="rId20"/>
+    <p:sldId id="266" r:id="rId21"/>
   </p:sldIdLst>
   <p:sldSz cx="9144000" cy="5143500" type="screen16x9"/>
   <p:notesSz cx="6858000" cy="9144000"/>
   <p:embeddedFontLst>
     <p:embeddedFont>
       <p:font typeface="Gill Sans" panose="020B0502020104020203" pitchFamily="34" charset="-79"/>
-      <p:regular r:id="rId22"/>
-      <p:bold r:id="rId23"/>
+      <p:regular r:id="rId23"/>
+      <p:bold r:id="rId24"/>
     </p:embeddedFont>
     <p:embeddedFont>
       <p:font typeface="Noto Sans Symbols" pitchFamily="2" charset="0"/>
-      <p:regular r:id="rId24"/>
-      <p:bold r:id="rId25"/>
+      <p:regular r:id="rId25"/>
+      <p:bold r:id="rId26"/>
     </p:embeddedFont>
   </p:embeddedFontLst>
   <p:defaultTextStyle>
@@ -14127,6 +14128,377 @@
   <p:cSld>
     <p:spTree>
       <p:nvGrpSpPr>
+        <p:cNvPr id="1" name=""/>
+        <p:cNvGrpSpPr/>
+        <p:nvPr/>
+      </p:nvGrpSpPr>
+      <p:grpSpPr>
+        <a:xfrm>
+          <a:off x="0" y="0"/>
+          <a:ext cx="0" cy="0"/>
+          <a:chOff x="0" y="0"/>
+          <a:chExt cx="0" cy="0"/>
+        </a:xfrm>
+      </p:grpSpPr>
+      <p:sp>
+        <p:nvSpPr>
+          <p:cNvPr id="2" name="Title 1">
+            <a:extLst>
+              <a:ext uri="{FF2B5EF4-FFF2-40B4-BE49-F238E27FC236}">
+                <a16:creationId xmlns:a16="http://schemas.microsoft.com/office/drawing/2014/main" id="{05143F7D-8417-F1D9-079D-5C6B6BAEF30A}"/>
+              </a:ext>
+            </a:extLst>
+          </p:cNvPr>
+          <p:cNvSpPr>
+            <a:spLocks noGrp="1"/>
+          </p:cNvSpPr>
+          <p:nvPr>
+            <p:ph type="title"/>
+          </p:nvPr>
+        </p:nvSpPr>
+        <p:spPr/>
+        <p:txBody>
+          <a:bodyPr>
+            <a:noAutofit/>
+          </a:bodyPr>
+          <a:lstStyle/>
+          <a:p>
+            <a:r>
+              <a:rPr lang="ru-RU" dirty="0" err="1"/>
+              <a:t>Класифікація</a:t>
+            </a:r>
+            <a:r>
+              <a:rPr lang="ru-RU" dirty="0"/>
+              <a:t> резюме</a:t>
+            </a:r>
+            <a:endParaRPr lang="en-UA" dirty="0"/>
+          </a:p>
+        </p:txBody>
+      </p:sp>
+      <p:sp>
+        <p:nvSpPr>
+          <p:cNvPr id="4" name="Slide Number Placeholder 3">
+            <a:extLst>
+              <a:ext uri="{FF2B5EF4-FFF2-40B4-BE49-F238E27FC236}">
+                <a16:creationId xmlns:a16="http://schemas.microsoft.com/office/drawing/2014/main" id="{6BB0FE4C-AB86-7411-44D2-FDD782A0561A}"/>
+              </a:ext>
+            </a:extLst>
+          </p:cNvPr>
+          <p:cNvSpPr>
+            <a:spLocks noGrp="1"/>
+          </p:cNvSpPr>
+          <p:nvPr>
+            <p:ph type="sldNum" idx="12"/>
+          </p:nvPr>
+        </p:nvSpPr>
+        <p:spPr/>
+        <p:txBody>
+          <a:bodyPr/>
+          <a:lstStyle/>
+          <a:p>
+            <a:pPr marL="0" lvl="0" indent="0" algn="ctr" rtl="0">
+              <a:spcBef>
+                <a:spcPts val="0"/>
+              </a:spcBef>
+              <a:spcAft>
+                <a:spcPts val="0"/>
+              </a:spcAft>
+              <a:buNone/>
+            </a:pPr>
+            <a:fld id="{00000000-1234-1234-1234-123412341234}" type="slidenum">
+              <a:rPr lang="uk-UA" smtClean="0"/>
+              <a:t>11</a:t>
+            </a:fld>
+            <a:endParaRPr lang="uk-UA"/>
+          </a:p>
+        </p:txBody>
+      </p:sp>
+      <p:pic>
+        <p:nvPicPr>
+          <p:cNvPr id="5" name="Picture 4" descr="A screenshot of a black screen&#10;&#10;AI-generated content may be incorrect.">
+            <a:extLst>
+              <a:ext uri="{FF2B5EF4-FFF2-40B4-BE49-F238E27FC236}">
+                <a16:creationId xmlns:a16="http://schemas.microsoft.com/office/drawing/2014/main" id="{5DA0E312-52D4-84D4-2EE8-75F8B94532E5}"/>
+              </a:ext>
+            </a:extLst>
+          </p:cNvPr>
+          <p:cNvPicPr>
+            <a:picLocks noChangeAspect="1"/>
+          </p:cNvPicPr>
+          <p:nvPr/>
+        </p:nvPicPr>
+        <p:blipFill>
+          <a:blip r:embed="rId2">
+            <a:extLst>
+              <a:ext uri="{28A0092B-C50C-407E-A947-70E740481C1C}">
+                <a14:useLocalDpi xmlns:a14="http://schemas.microsoft.com/office/drawing/2010/main" val="0"/>
+              </a:ext>
+            </a:extLst>
+          </a:blip>
+          <a:stretch>
+            <a:fillRect/>
+          </a:stretch>
+        </p:blipFill>
+        <p:spPr>
+          <a:xfrm>
+            <a:off x="1739882" y="1405126"/>
+            <a:ext cx="2683800" cy="2794310"/>
+          </a:xfrm>
+          <a:prstGeom prst="rect">
+            <a:avLst/>
+          </a:prstGeom>
+        </p:spPr>
+      </p:pic>
+      <p:sp>
+        <p:nvSpPr>
+          <p:cNvPr id="7" name="TextBox 6">
+            <a:extLst>
+              <a:ext uri="{FF2B5EF4-FFF2-40B4-BE49-F238E27FC236}">
+                <a16:creationId xmlns:a16="http://schemas.microsoft.com/office/drawing/2014/main" id="{D7154589-A209-E6E6-F828-501924EE84E9}"/>
+              </a:ext>
+            </a:extLst>
+          </p:cNvPr>
+          <p:cNvSpPr txBox="1"/>
+          <p:nvPr/>
+        </p:nvSpPr>
+        <p:spPr>
+          <a:xfrm>
+            <a:off x="1591565" y="1097349"/>
+            <a:ext cx="2980435" cy="307777"/>
+          </a:xfrm>
+          <a:prstGeom prst="rect">
+            <a:avLst/>
+          </a:prstGeom>
+          <a:noFill/>
+        </p:spPr>
+        <p:txBody>
+          <a:bodyPr wrap="square">
+            <a:spAutoFit/>
+          </a:bodyPr>
+          <a:lstStyle/>
+          <a:p>
+            <a:pPr algn="ctr"/>
+            <a:r>
+              <a:rPr lang="ru-RU" dirty="0" err="1">
+                <a:solidFill>
+                  <a:schemeClr val="tx1"/>
+                </a:solidFill>
+              </a:rPr>
+              <a:t>Обсяг</a:t>
+            </a:r>
+            <a:r>
+              <a:rPr lang="ru-RU" dirty="0">
+                <a:solidFill>
+                  <a:schemeClr val="tx1"/>
+                </a:solidFill>
+              </a:rPr>
+              <a:t> </a:t>
+            </a:r>
+            <a:r>
+              <a:rPr lang="ru-RU" dirty="0" err="1">
+                <a:solidFill>
+                  <a:schemeClr val="tx1"/>
+                </a:solidFill>
+              </a:rPr>
+              <a:t>датасету</a:t>
+            </a:r>
+            <a:r>
+              <a:rPr lang="ru-RU" dirty="0">
+                <a:solidFill>
+                  <a:schemeClr val="tx1"/>
+                </a:solidFill>
+              </a:rPr>
+              <a:t>: </a:t>
+            </a:r>
+            <a:r>
+              <a:rPr lang="en-UA" dirty="0">
+                <a:solidFill>
+                  <a:schemeClr val="tx1"/>
+                </a:solidFill>
+              </a:rPr>
+              <a:t>191202 </a:t>
+            </a:r>
+            <a:r>
+              <a:rPr lang="uk-UA" dirty="0">
+                <a:solidFill>
+                  <a:schemeClr val="tx1"/>
+                </a:solidFill>
+              </a:rPr>
+              <a:t> резюме</a:t>
+            </a:r>
+            <a:r>
+              <a:rPr lang="en-UA" dirty="0"/>
+              <a:t> </a:t>
+            </a:r>
+          </a:p>
+        </p:txBody>
+      </p:sp>
+      <p:pic>
+        <p:nvPicPr>
+          <p:cNvPr id="1026" name="Picture 2" descr="Sentiment Classification Using BERT - GeeksforGeeks">
+            <a:extLst>
+              <a:ext uri="{FF2B5EF4-FFF2-40B4-BE49-F238E27FC236}">
+                <a16:creationId xmlns:a16="http://schemas.microsoft.com/office/drawing/2014/main" id="{EAF55D28-62C4-B087-6018-B16FC69561CD}"/>
+              </a:ext>
+            </a:extLst>
+          </p:cNvPr>
+          <p:cNvPicPr>
+            <a:picLocks noChangeAspect="1" noChangeArrowheads="1"/>
+          </p:cNvPicPr>
+          <p:nvPr/>
+        </p:nvPicPr>
+        <p:blipFill>
+          <a:blip r:embed="rId3">
+            <a:extLst>
+              <a:ext uri="{28A0092B-C50C-407E-A947-70E740481C1C}">
+                <a14:useLocalDpi xmlns:a14="http://schemas.microsoft.com/office/drawing/2010/main" val="0"/>
+              </a:ext>
+            </a:extLst>
+          </a:blip>
+          <a:srcRect/>
+          <a:stretch>
+            <a:fillRect/>
+          </a:stretch>
+        </p:blipFill>
+        <p:spPr bwMode="auto">
+          <a:xfrm>
+            <a:off x="5345272" y="1593596"/>
+            <a:ext cx="3244051" cy="2417370"/>
+          </a:xfrm>
+          <a:prstGeom prst="rect">
+            <a:avLst/>
+          </a:prstGeom>
+          <a:noFill/>
+          <a:extLst>
+            <a:ext uri="{909E8E84-426E-40DD-AFC4-6F175D3DCCD1}">
+              <a14:hiddenFill xmlns:a14="http://schemas.microsoft.com/office/drawing/2010/main">
+                <a:solidFill>
+                  <a:srgbClr val="FFFFFF"/>
+                </a:solidFill>
+              </a14:hiddenFill>
+            </a:ext>
+          </a:extLst>
+        </p:spPr>
+      </p:pic>
+      <p:sp>
+        <p:nvSpPr>
+          <p:cNvPr id="9" name="TextBox 8">
+            <a:extLst>
+              <a:ext uri="{FF2B5EF4-FFF2-40B4-BE49-F238E27FC236}">
+                <a16:creationId xmlns:a16="http://schemas.microsoft.com/office/drawing/2014/main" id="{127E777D-79F0-1C21-15A5-FF40C2D02396}"/>
+              </a:ext>
+            </a:extLst>
+          </p:cNvPr>
+          <p:cNvSpPr txBox="1"/>
+          <p:nvPr/>
+        </p:nvSpPr>
+        <p:spPr>
+          <a:xfrm>
+            <a:off x="5443455" y="1097348"/>
+            <a:ext cx="3047683" cy="307777"/>
+          </a:xfrm>
+          <a:prstGeom prst="rect">
+            <a:avLst/>
+          </a:prstGeom>
+          <a:noFill/>
+        </p:spPr>
+        <p:txBody>
+          <a:bodyPr wrap="square">
+            <a:spAutoFit/>
+          </a:bodyPr>
+          <a:lstStyle/>
+          <a:p>
+            <a:pPr algn="ctr"/>
+            <a:r>
+              <a:rPr lang="uk-UA" dirty="0">
+                <a:solidFill>
+                  <a:schemeClr val="tx1"/>
+                </a:solidFill>
+              </a:rPr>
+              <a:t>Архітектура </a:t>
+            </a:r>
+            <a:r>
+              <a:rPr lang="uk-UA" dirty="0" err="1">
+                <a:solidFill>
+                  <a:schemeClr val="tx1"/>
+                </a:solidFill>
+              </a:rPr>
+              <a:t>нейромережі</a:t>
+            </a:r>
+            <a:r>
+              <a:rPr lang="uk-UA" dirty="0">
+                <a:solidFill>
+                  <a:schemeClr val="tx1"/>
+                </a:solidFill>
+              </a:rPr>
+              <a:t>: </a:t>
+            </a:r>
+            <a:r>
+              <a:rPr lang="en-US" dirty="0">
+                <a:solidFill>
+                  <a:schemeClr val="tx1"/>
+                </a:solidFill>
+              </a:rPr>
+              <a:t>BERT</a:t>
+            </a:r>
+            <a:endParaRPr lang="en-UA" dirty="0"/>
+          </a:p>
+        </p:txBody>
+      </p:sp>
+      <p:pic>
+        <p:nvPicPr>
+          <p:cNvPr id="13" name="Picture 12" descr="A black screen with white text&#10;&#10;AI-generated content may be incorrect.">
+            <a:extLst>
+              <a:ext uri="{FF2B5EF4-FFF2-40B4-BE49-F238E27FC236}">
+                <a16:creationId xmlns:a16="http://schemas.microsoft.com/office/drawing/2014/main" id="{A23407D0-DB79-7584-E394-1315EBCDF5A1}"/>
+              </a:ext>
+            </a:extLst>
+          </p:cNvPr>
+          <p:cNvPicPr>
+            <a:picLocks noChangeAspect="1"/>
+          </p:cNvPicPr>
+          <p:nvPr/>
+        </p:nvPicPr>
+        <p:blipFill>
+          <a:blip r:embed="rId4">
+            <a:extLst>
+              <a:ext uri="{28A0092B-C50C-407E-A947-70E740481C1C}">
+                <a14:useLocalDpi xmlns:a14="http://schemas.microsoft.com/office/drawing/2010/main" val="0"/>
+              </a:ext>
+            </a:extLst>
+          </a:blip>
+          <a:stretch>
+            <a:fillRect/>
+          </a:stretch>
+        </p:blipFill>
+        <p:spPr>
+          <a:xfrm>
+            <a:off x="4720320" y="4069429"/>
+            <a:ext cx="3099904" cy="945594"/>
+          </a:xfrm>
+          <a:prstGeom prst="rect">
+            <a:avLst/>
+          </a:prstGeom>
+        </p:spPr>
+      </p:pic>
+    </p:spTree>
+    <p:extLst>
+      <p:ext uri="{BB962C8B-B14F-4D97-AF65-F5344CB8AC3E}">
+        <p14:creationId xmlns:p14="http://schemas.microsoft.com/office/powerpoint/2010/main" val="1395723422"/>
+      </p:ext>
+    </p:extLst>
+  </p:cSld>
+  <p:clrMapOvr>
+    <a:masterClrMapping/>
+  </p:clrMapOvr>
+</p:sld>
+</file>
+
+<file path=ppt/slides/slide12.xml><?xml version="1.0" encoding="utf-8"?>
+<p:sld xmlns:a="http://schemas.openxmlformats.org/drawingml/2006/main" xmlns:r="http://schemas.openxmlformats.org/officeDocument/2006/relationships" xmlns:p="http://schemas.openxmlformats.org/presentationml/2006/main">
+  <p:cSld>
+    <p:spTree>
+      <p:nvGrpSpPr>
         <p:cNvPr id="1" name="Shape 135"/>
         <p:cNvGrpSpPr/>
         <p:nvPr/>
@@ -14333,7 +14705,7 @@
             </a:pPr>
             <a:fld id="{00000000-1234-1234-1234-123412341234}" type="slidenum">
               <a:rPr lang="uk-UA" smtClean="0"/>
-              <a:t>11</a:t>
+              <a:t>12</a:t>
             </a:fld>
             <a:endParaRPr lang="uk-UA"/>
           </a:p>
@@ -14352,7 +14724,7 @@
 </p:sld>
 </file>
 
-<file path=ppt/slides/slide12.xml><?xml version="1.0" encoding="utf-8"?>
+<file path=ppt/slides/slide13.xml><?xml version="1.0" encoding="utf-8"?>
 <p:sld xmlns:a="http://schemas.openxmlformats.org/drawingml/2006/main" xmlns:r="http://schemas.openxmlformats.org/officeDocument/2006/relationships" xmlns:p="http://schemas.openxmlformats.org/presentationml/2006/main">
   <p:cSld>
     <p:spTree>
@@ -14549,7 +14921,7 @@
             </a:pPr>
             <a:fld id="{00000000-1234-1234-1234-123412341234}" type="slidenum">
               <a:rPr lang="uk-UA" smtClean="0"/>
-              <a:t>12</a:t>
+              <a:t>13</a:t>
             </a:fld>
             <a:endParaRPr lang="uk-UA"/>
           </a:p>
@@ -14568,7 +14940,7 @@
 </p:sld>
 </file>
 
-<file path=ppt/slides/slide13.xml><?xml version="1.0" encoding="utf-8"?>
+<file path=ppt/slides/slide14.xml><?xml version="1.0" encoding="utf-8"?>
 <p:sld xmlns:a="http://schemas.openxmlformats.org/drawingml/2006/main" xmlns:r="http://schemas.openxmlformats.org/officeDocument/2006/relationships" xmlns:p="http://schemas.openxmlformats.org/presentationml/2006/main">
   <p:cSld>
     <p:spTree>
@@ -14765,7 +15137,7 @@
             </a:pPr>
             <a:fld id="{00000000-1234-1234-1234-123412341234}" type="slidenum">
               <a:rPr lang="uk-UA" smtClean="0"/>
-              <a:t>13</a:t>
+              <a:t>14</a:t>
             </a:fld>
             <a:endParaRPr lang="uk-UA"/>
           </a:p>
@@ -14784,7 +15156,7 @@
 </p:sld>
 </file>
 
-<file path=ppt/slides/slide14.xml><?xml version="1.0" encoding="utf-8"?>
+<file path=ppt/slides/slide15.xml><?xml version="1.0" encoding="utf-8"?>
 <p:sld xmlns:a="http://schemas.openxmlformats.org/drawingml/2006/main" xmlns:r="http://schemas.openxmlformats.org/officeDocument/2006/relationships" xmlns:p="http://schemas.openxmlformats.org/presentationml/2006/main">
   <p:cSld>
     <p:spTree>
@@ -14981,7 +15353,7 @@
             </a:pPr>
             <a:fld id="{00000000-1234-1234-1234-123412341234}" type="slidenum">
               <a:rPr lang="uk-UA" smtClean="0"/>
-              <a:t>14</a:t>
+              <a:t>15</a:t>
             </a:fld>
             <a:endParaRPr lang="uk-UA"/>
           </a:p>
@@ -15000,7 +15372,7 @@
 </p:sld>
 </file>
 
-<file path=ppt/slides/slide15.xml><?xml version="1.0" encoding="utf-8"?>
+<file path=ppt/slides/slide16.xml><?xml version="1.0" encoding="utf-8"?>
 <p:sld xmlns:a="http://schemas.openxmlformats.org/drawingml/2006/main" xmlns:r="http://schemas.openxmlformats.org/officeDocument/2006/relationships" xmlns:p="http://schemas.openxmlformats.org/presentationml/2006/main">
   <p:cSld>
     <p:spTree>
@@ -15455,7 +15827,7 @@
             </a:pPr>
             <a:fld id="{00000000-1234-1234-1234-123412341234}" type="slidenum">
               <a:rPr lang="uk-UA" smtClean="0"/>
-              <a:t>15</a:t>
+              <a:t>16</a:t>
             </a:fld>
             <a:endParaRPr lang="uk-UA"/>
           </a:p>
@@ -15474,7 +15846,7 @@
 </p:sld>
 </file>
 
-<file path=ppt/slides/slide16.xml><?xml version="1.0" encoding="utf-8"?>
+<file path=ppt/slides/slide17.xml><?xml version="1.0" encoding="utf-8"?>
 <p:sld xmlns:a="http://schemas.openxmlformats.org/drawingml/2006/main" xmlns:r="http://schemas.openxmlformats.org/officeDocument/2006/relationships" xmlns:p="http://schemas.openxmlformats.org/presentationml/2006/main">
   <p:cSld>
     <p:spTree>
@@ -15996,7 +16368,7 @@
             </a:pPr>
             <a:fld id="{00000000-1234-1234-1234-123412341234}" type="slidenum">
               <a:rPr lang="uk-UA" smtClean="0"/>
-              <a:t>16</a:t>
+              <a:t>17</a:t>
             </a:fld>
             <a:endParaRPr lang="uk-UA"/>
           </a:p>
@@ -16015,7 +16387,7 @@
 </p:sld>
 </file>
 
-<file path=ppt/slides/slide17.xml><?xml version="1.0" encoding="utf-8"?>
+<file path=ppt/slides/slide18.xml><?xml version="1.0" encoding="utf-8"?>
 <p:sld xmlns:a="http://schemas.openxmlformats.org/drawingml/2006/main" xmlns:r="http://schemas.openxmlformats.org/officeDocument/2006/relationships" xmlns:p="http://schemas.openxmlformats.org/presentationml/2006/main">
   <p:cSld>
     <p:spTree>
@@ -16161,7 +16533,7 @@
             </a:pPr>
             <a:fld id="{00000000-1234-1234-1234-123412341234}" type="slidenum">
               <a:rPr lang="uk-UA" smtClean="0"/>
-              <a:t>17</a:t>
+              <a:t>18</a:t>
             </a:fld>
             <a:endParaRPr lang="uk-UA"/>
           </a:p>
@@ -16180,7 +16552,7 @@
 </p:sld>
 </file>
 
-<file path=ppt/slides/slide18.xml><?xml version="1.0" encoding="utf-8"?>
+<file path=ppt/slides/slide19.xml><?xml version="1.0" encoding="utf-8"?>
 <p:sld xmlns:a="http://schemas.openxmlformats.org/drawingml/2006/main" xmlns:r="http://schemas.openxmlformats.org/officeDocument/2006/relationships" xmlns:p="http://schemas.openxmlformats.org/presentationml/2006/main">
   <p:cSld>
     <p:spTree>
@@ -16298,120 +16670,6 @@
             <a:extLst>
               <a:ext uri="{FF2B5EF4-FFF2-40B4-BE49-F238E27FC236}">
                 <a16:creationId xmlns:a16="http://schemas.microsoft.com/office/drawing/2014/main" id="{FC1BFBF6-4D7C-A9DA-C083-F32BA168C6D4}"/>
-              </a:ext>
-            </a:extLst>
-          </p:cNvPr>
-          <p:cNvSpPr>
-            <a:spLocks noGrp="1"/>
-          </p:cNvSpPr>
-          <p:nvPr>
-            <p:ph type="sldNum" idx="12"/>
-          </p:nvPr>
-        </p:nvSpPr>
-        <p:spPr/>
-        <p:txBody>
-          <a:bodyPr/>
-          <a:lstStyle/>
-          <a:p>
-            <a:pPr marL="0" lvl="0" indent="0" algn="ctr" rtl="0">
-              <a:spcBef>
-                <a:spcPts val="0"/>
-              </a:spcBef>
-              <a:spcAft>
-                <a:spcPts val="0"/>
-              </a:spcAft>
-              <a:buNone/>
-            </a:pPr>
-            <a:fld id="{00000000-1234-1234-1234-123412341234}" type="slidenum">
-              <a:rPr lang="uk-UA" smtClean="0"/>
-              <a:t>18</a:t>
-            </a:fld>
-            <a:endParaRPr lang="uk-UA"/>
-          </a:p>
-        </p:txBody>
-      </p:sp>
-    </p:spTree>
-  </p:cSld>
-  <p:clrMapOvr>
-    <a:masterClrMapping/>
-  </p:clrMapOvr>
-</p:sld>
-</file>
-
-<file path=ppt/slides/slide19.xml><?xml version="1.0" encoding="utf-8"?>
-<p:sld xmlns:a="http://schemas.openxmlformats.org/drawingml/2006/main" xmlns:r="http://schemas.openxmlformats.org/officeDocument/2006/relationships" xmlns:p="http://schemas.openxmlformats.org/presentationml/2006/main">
-  <p:cSld>
-    <p:spTree>
-      <p:nvGrpSpPr>
-        <p:cNvPr id="1" name="Shape 160"/>
-        <p:cNvGrpSpPr/>
-        <p:nvPr/>
-      </p:nvGrpSpPr>
-      <p:grpSpPr>
-        <a:xfrm>
-          <a:off x="0" y="0"/>
-          <a:ext cx="0" cy="0"/>
-          <a:chOff x="0" y="0"/>
-          <a:chExt cx="0" cy="0"/>
-        </a:xfrm>
-      </p:grpSpPr>
-      <p:sp>
-        <p:nvSpPr>
-          <p:cNvPr id="161" name="Google Shape;161;p23"/>
-          <p:cNvSpPr txBox="1">
-            <a:spLocks noGrp="1"/>
-          </p:cNvSpPr>
-          <p:nvPr>
-            <p:ph type="title"/>
-          </p:nvPr>
-        </p:nvSpPr>
-        <p:spPr>
-          <a:xfrm>
-            <a:off x="1403648" y="2031690"/>
-            <a:ext cx="7200900" cy="857400"/>
-          </a:xfrm>
-          <a:prstGeom prst="rect">
-            <a:avLst/>
-          </a:prstGeom>
-          <a:noFill/>
-          <a:ln>
-            <a:noFill/>
-          </a:ln>
-        </p:spPr>
-        <p:txBody>
-          <a:bodyPr spcFirstLastPara="1" wrap="square" lIns="91425" tIns="45700" rIns="91425" bIns="45700" anchor="ctr" anchorCtr="0">
-            <a:normAutofit/>
-          </a:bodyPr>
-          <a:lstStyle/>
-          <a:p>
-            <a:pPr marL="0" lvl="0" indent="0" algn="ctr" rtl="0">
-              <a:spcBef>
-                <a:spcPts val="0"/>
-              </a:spcBef>
-              <a:spcAft>
-                <a:spcPts val="0"/>
-              </a:spcAft>
-              <a:buClr>
-                <a:srgbClr val="562214"/>
-              </a:buClr>
-              <a:buSzPts val="4300"/>
-              <a:buFont typeface="Gill Sans"/>
-              <a:buNone/>
-            </a:pPr>
-            <a:r>
-              <a:rPr lang="uk-UA" b="1"/>
-              <a:t>Дякую за увагу</a:t>
-            </a:r>
-            <a:endParaRPr b="1"/>
-          </a:p>
-        </p:txBody>
-      </p:sp>
-      <p:sp>
-        <p:nvSpPr>
-          <p:cNvPr id="2" name="Slide Number Placeholder 1">
-            <a:extLst>
-              <a:ext uri="{FF2B5EF4-FFF2-40B4-BE49-F238E27FC236}">
-                <a16:creationId xmlns:a16="http://schemas.microsoft.com/office/drawing/2014/main" id="{FBF3F87C-9D97-7BF8-6380-475CCB5AD75B}"/>
               </a:ext>
             </a:extLst>
           </p:cNvPr>
@@ -16611,6 +16869,120 @@
             <a:fld id="{00000000-1234-1234-1234-123412341234}" type="slidenum">
               <a:rPr lang="uk-UA" smtClean="0"/>
               <a:t>2</a:t>
+            </a:fld>
+            <a:endParaRPr lang="uk-UA"/>
+          </a:p>
+        </p:txBody>
+      </p:sp>
+    </p:spTree>
+  </p:cSld>
+  <p:clrMapOvr>
+    <a:masterClrMapping/>
+  </p:clrMapOvr>
+</p:sld>
+</file>
+
+<file path=ppt/slides/slide20.xml><?xml version="1.0" encoding="utf-8"?>
+<p:sld xmlns:a="http://schemas.openxmlformats.org/drawingml/2006/main" xmlns:r="http://schemas.openxmlformats.org/officeDocument/2006/relationships" xmlns:p="http://schemas.openxmlformats.org/presentationml/2006/main">
+  <p:cSld>
+    <p:spTree>
+      <p:nvGrpSpPr>
+        <p:cNvPr id="1" name="Shape 160"/>
+        <p:cNvGrpSpPr/>
+        <p:nvPr/>
+      </p:nvGrpSpPr>
+      <p:grpSpPr>
+        <a:xfrm>
+          <a:off x="0" y="0"/>
+          <a:ext cx="0" cy="0"/>
+          <a:chOff x="0" y="0"/>
+          <a:chExt cx="0" cy="0"/>
+        </a:xfrm>
+      </p:grpSpPr>
+      <p:sp>
+        <p:nvSpPr>
+          <p:cNvPr id="161" name="Google Shape;161;p23"/>
+          <p:cNvSpPr txBox="1">
+            <a:spLocks noGrp="1"/>
+          </p:cNvSpPr>
+          <p:nvPr>
+            <p:ph type="title"/>
+          </p:nvPr>
+        </p:nvSpPr>
+        <p:spPr>
+          <a:xfrm>
+            <a:off x="1403648" y="2031690"/>
+            <a:ext cx="7200900" cy="857400"/>
+          </a:xfrm>
+          <a:prstGeom prst="rect">
+            <a:avLst/>
+          </a:prstGeom>
+          <a:noFill/>
+          <a:ln>
+            <a:noFill/>
+          </a:ln>
+        </p:spPr>
+        <p:txBody>
+          <a:bodyPr spcFirstLastPara="1" wrap="square" lIns="91425" tIns="45700" rIns="91425" bIns="45700" anchor="ctr" anchorCtr="0">
+            <a:normAutofit/>
+          </a:bodyPr>
+          <a:lstStyle/>
+          <a:p>
+            <a:pPr marL="0" lvl="0" indent="0" algn="ctr" rtl="0">
+              <a:spcBef>
+                <a:spcPts val="0"/>
+              </a:spcBef>
+              <a:spcAft>
+                <a:spcPts val="0"/>
+              </a:spcAft>
+              <a:buClr>
+                <a:srgbClr val="562214"/>
+              </a:buClr>
+              <a:buSzPts val="4300"/>
+              <a:buFont typeface="Gill Sans"/>
+              <a:buNone/>
+            </a:pPr>
+            <a:r>
+              <a:rPr lang="uk-UA" b="1"/>
+              <a:t>Дякую за увагу</a:t>
+            </a:r>
+            <a:endParaRPr b="1"/>
+          </a:p>
+        </p:txBody>
+      </p:sp>
+      <p:sp>
+        <p:nvSpPr>
+          <p:cNvPr id="2" name="Slide Number Placeholder 1">
+            <a:extLst>
+              <a:ext uri="{FF2B5EF4-FFF2-40B4-BE49-F238E27FC236}">
+                <a16:creationId xmlns:a16="http://schemas.microsoft.com/office/drawing/2014/main" id="{FBF3F87C-9D97-7BF8-6380-475CCB5AD75B}"/>
+              </a:ext>
+            </a:extLst>
+          </p:cNvPr>
+          <p:cNvSpPr>
+            <a:spLocks noGrp="1"/>
+          </p:cNvSpPr>
+          <p:nvPr>
+            <p:ph type="sldNum" idx="12"/>
+          </p:nvPr>
+        </p:nvSpPr>
+        <p:spPr/>
+        <p:txBody>
+          <a:bodyPr/>
+          <a:lstStyle/>
+          <a:p>
+            <a:pPr marL="0" lvl="0" indent="0" algn="ctr" rtl="0">
+              <a:spcBef>
+                <a:spcPts val="0"/>
+              </a:spcBef>
+              <a:spcAft>
+                <a:spcPts val="0"/>
+              </a:spcAft>
+              <a:buNone/>
+            </a:pPr>
+            <a:fld id="{00000000-1234-1234-1234-123412341234}" type="slidenum">
+              <a:rPr lang="uk-UA" smtClean="0"/>
+              <a:t>20</a:t>
             </a:fld>
             <a:endParaRPr lang="uk-UA"/>
           </a:p>

--- a/docs/Common/доповідь.pptx
+++ b/docs/Common/доповідь.pptx
@@ -33,7 +33,7 @@
   <p:notesSz cx="6858000" cy="9144000"/>
   <p:embeddedFontLst>
     <p:embeddedFont>
-      <p:font typeface="Gill Sans" panose="020B0502020104020203" pitchFamily="34" charset="-79"/>
+      <p:font typeface="Gill Sans" panose="020B0604020202020204" charset="0"/>
       <p:regular r:id="rId23"/>
       <p:bold r:id="rId24"/>
     </p:embeddedFont>
@@ -41,6 +41,13 @@
       <p:font typeface="Noto Sans Symbols" pitchFamily="2" charset="0"/>
       <p:regular r:id="rId25"/>
       <p:bold r:id="rId26"/>
+    </p:embeddedFont>
+    <p:embeddedFont>
+      <p:font typeface="Verdana" panose="020B0604030504040204" pitchFamily="34" charset="0"/>
+      <p:regular r:id="rId27"/>
+      <p:bold r:id="rId28"/>
+      <p:italic r:id="rId29"/>
+      <p:boldItalic r:id="rId30"/>
     </p:embeddedFont>
   </p:embeddedFontLst>
   <p:defaultTextStyle>
@@ -13976,98 +13983,6 @@
               <a:buFont typeface="+mj-lt"/>
               <a:buAutoNum type="arabicPeriod"/>
             </a:pPr>
-            <a:r>
-              <a:rPr lang="uk-UA" dirty="0"/>
-              <a:t>Завантаження резюме користувача</a:t>
-            </a:r>
-          </a:p>
-          <a:p>
-            <a:pPr marL="514350" marR="0" lvl="0" indent="-514350" algn="l" rtl="0">
-              <a:lnSpc>
-                <a:spcPct val="100000"/>
-              </a:lnSpc>
-              <a:spcBef>
-                <a:spcPts val="0"/>
-              </a:spcBef>
-              <a:spcAft>
-                <a:spcPts val="0"/>
-              </a:spcAft>
-              <a:buSzPts val="2560"/>
-              <a:buFont typeface="+mj-lt"/>
-              <a:buAutoNum type="arabicPeriod"/>
-            </a:pPr>
-            <a:r>
-              <a:rPr lang="uk-UA" dirty="0"/>
-              <a:t>Попередня обробка резюме</a:t>
-            </a:r>
-          </a:p>
-          <a:p>
-            <a:pPr marL="514350" marR="0" lvl="0" indent="-514350" algn="l" rtl="0">
-              <a:lnSpc>
-                <a:spcPct val="100000"/>
-              </a:lnSpc>
-              <a:spcBef>
-                <a:spcPts val="0"/>
-              </a:spcBef>
-              <a:spcAft>
-                <a:spcPts val="0"/>
-              </a:spcAft>
-              <a:buSzPts val="2560"/>
-              <a:buFont typeface="+mj-lt"/>
-              <a:buAutoNum type="arabicPeriod"/>
-            </a:pPr>
-            <a:r>
-              <a:rPr lang="uk-UA" dirty="0"/>
-              <a:t>Класифікація резюме за категорією</a:t>
-            </a:r>
-          </a:p>
-          <a:p>
-            <a:pPr marL="514350" marR="0" lvl="0" indent="-514350" algn="l" rtl="0">
-              <a:lnSpc>
-                <a:spcPct val="100000"/>
-              </a:lnSpc>
-              <a:spcBef>
-                <a:spcPts val="0"/>
-              </a:spcBef>
-              <a:spcAft>
-                <a:spcPts val="0"/>
-              </a:spcAft>
-              <a:buSzPts val="2560"/>
-              <a:buFont typeface="+mj-lt"/>
-              <a:buAutoNum type="arabicPeriod"/>
-            </a:pPr>
-            <a:r>
-              <a:rPr lang="uk-UA" dirty="0"/>
-              <a:t>Оцінка </a:t>
-            </a:r>
-            <a:r>
-              <a:rPr lang="uk-UA" dirty="0" err="1"/>
-              <a:t>релевантності</a:t>
-            </a:r>
-            <a:r>
-              <a:rPr lang="uk-UA" dirty="0"/>
-              <a:t> вакансій відповідної категорії до резюме</a:t>
-            </a:r>
-          </a:p>
-          <a:p>
-            <a:pPr marL="514350" marR="0" lvl="0" indent="-514350" algn="l" rtl="0">
-              <a:lnSpc>
-                <a:spcPct val="100000"/>
-              </a:lnSpc>
-              <a:spcBef>
-                <a:spcPts val="0"/>
-              </a:spcBef>
-              <a:spcAft>
-                <a:spcPts val="0"/>
-              </a:spcAft>
-              <a:buSzPts val="2560"/>
-              <a:buFont typeface="+mj-lt"/>
-              <a:buAutoNum type="arabicPeriod"/>
-            </a:pPr>
-            <a:r>
-              <a:rPr lang="uk-UA" dirty="0"/>
-              <a:t>Повернення вакансій з найкращою оцінкою</a:t>
-            </a:r>
             <a:endParaRPr dirty="0"/>
           </a:p>
         </p:txBody>
@@ -14110,6 +14025,36 @@
           </a:p>
         </p:txBody>
       </p:sp>
+      <p:pic>
+        <p:nvPicPr>
+          <p:cNvPr id="4" name="Picture 3">
+            <a:extLst>
+              <a:ext uri="{FF2B5EF4-FFF2-40B4-BE49-F238E27FC236}">
+                <a16:creationId xmlns:a16="http://schemas.microsoft.com/office/drawing/2014/main" id="{AF35A8E8-D53B-46D6-9A00-CA1ABC2B74A8}"/>
+              </a:ext>
+            </a:extLst>
+          </p:cNvPr>
+          <p:cNvPicPr>
+            <a:picLocks noChangeAspect="1"/>
+          </p:cNvPicPr>
+          <p:nvPr/>
+        </p:nvPicPr>
+        <p:blipFill>
+          <a:blip r:embed="rId3"/>
+          <a:stretch>
+            <a:fillRect/>
+          </a:stretch>
+        </p:blipFill>
+        <p:spPr>
+          <a:xfrm>
+            <a:off x="4594011" y="1028513"/>
+            <a:ext cx="1181394" cy="4057650"/>
+          </a:xfrm>
+          <a:prstGeom prst="rect">
+            <a:avLst/>
+          </a:prstGeom>
+        </p:spPr>
+      </p:pic>
     </p:spTree>
     <p:extLst>
       <p:ext uri="{BB962C8B-B14F-4D97-AF65-F5344CB8AC3E}">
@@ -14362,7 +14307,7 @@
         </p:blipFill>
         <p:spPr bwMode="auto">
           <a:xfrm>
-            <a:off x="5345272" y="1593596"/>
+            <a:off x="5345270" y="1439333"/>
             <a:ext cx="3244051" cy="2417370"/>
           </a:xfrm>
           <a:prstGeom prst="rect">
@@ -14481,6 +14426,43 @@
           </a:prstGeom>
         </p:spPr>
       </p:pic>
+      <p:sp>
+        <p:nvSpPr>
+          <p:cNvPr id="10" name="TextBox 9">
+            <a:extLst>
+              <a:ext uri="{FF2B5EF4-FFF2-40B4-BE49-F238E27FC236}">
+                <a16:creationId xmlns:a16="http://schemas.microsoft.com/office/drawing/2014/main" id="{63DBE52F-568D-41E3-BFCE-74577EFF6C53}"/>
+              </a:ext>
+            </a:extLst>
+          </p:cNvPr>
+          <p:cNvSpPr txBox="1"/>
+          <p:nvPr/>
+        </p:nvSpPr>
+        <p:spPr>
+          <a:xfrm>
+            <a:off x="4566276" y="3767800"/>
+            <a:ext cx="5041567" cy="246221"/>
+          </a:xfrm>
+          <a:prstGeom prst="rect">
+            <a:avLst/>
+          </a:prstGeom>
+          <a:noFill/>
+        </p:spPr>
+        <p:txBody>
+          <a:bodyPr wrap="square">
+            <a:spAutoFit/>
+          </a:bodyPr>
+          <a:lstStyle/>
+          <a:p>
+            <a:pPr algn="ctr"/>
+            <a:r>
+              <a:rPr lang="en-US" sz="1000" dirty="0"/>
+              <a:t>[https://www.geeksforgeeks.org/sentiment-classification-using-bert/]</a:t>
+            </a:r>
+            <a:endParaRPr lang="en-UA" sz="1000" dirty="0"/>
+          </a:p>
+        </p:txBody>
+      </p:sp>
     </p:spTree>
     <p:extLst>
       <p:ext uri="{BB962C8B-B14F-4D97-AF65-F5344CB8AC3E}">
@@ -14587,7 +14569,7 @@
         </p:spPr>
         <p:txBody>
           <a:bodyPr spcFirstLastPara="1" wrap="square" lIns="91425" tIns="45700" rIns="91425" bIns="45700" anchor="t" anchorCtr="0">
-            <a:normAutofit fontScale="92500"/>
+            <a:normAutofit/>
           </a:bodyPr>
           <a:lstStyle/>
           <a:p>
@@ -14605,70 +14587,6 @@
               <a:buFont typeface="+mj-lt"/>
               <a:buAutoNum type="arabicPeriod"/>
             </a:pPr>
-            <a:r>
-              <a:rPr lang="uk-UA" dirty="0"/>
-              <a:t>Завантаження та обробка тексту вакансії</a:t>
-            </a:r>
-          </a:p>
-          <a:p>
-            <a:pPr marL="514350" marR="0" lvl="0" indent="-514350" algn="l" rtl="0">
-              <a:lnSpc>
-                <a:spcPct val="100000"/>
-              </a:lnSpc>
-              <a:spcBef>
-                <a:spcPts val="0"/>
-              </a:spcBef>
-              <a:spcAft>
-                <a:spcPts val="0"/>
-              </a:spcAft>
-              <a:buSzPts val="2560"/>
-              <a:buFont typeface="+mj-lt"/>
-              <a:buAutoNum type="arabicPeriod"/>
-            </a:pPr>
-            <a:r>
-              <a:rPr lang="uk-UA" dirty="0"/>
-              <a:t>Виділення ключових слів резюме і вакансії</a:t>
-            </a:r>
-          </a:p>
-          <a:p>
-            <a:pPr marL="514350" marR="0" lvl="0" indent="-514350" algn="l" rtl="0">
-              <a:lnSpc>
-                <a:spcPct val="100000"/>
-              </a:lnSpc>
-              <a:spcBef>
-                <a:spcPts val="0"/>
-              </a:spcBef>
-              <a:spcAft>
-                <a:spcPts val="0"/>
-              </a:spcAft>
-              <a:buSzPts val="2560"/>
-              <a:buFont typeface="+mj-lt"/>
-              <a:buAutoNum type="arabicPeriod"/>
-            </a:pPr>
-            <a:r>
-              <a:rPr lang="uk-UA" dirty="0"/>
-              <a:t>Обчислення семантичної подібності ключових слів резюме і вакансії</a:t>
-            </a:r>
-          </a:p>
-          <a:p>
-            <a:pPr marL="514350" marR="0" lvl="0" indent="-514350" algn="l" rtl="0">
-              <a:lnSpc>
-                <a:spcPct val="100000"/>
-              </a:lnSpc>
-              <a:spcBef>
-                <a:spcPts val="0"/>
-              </a:spcBef>
-              <a:spcAft>
-                <a:spcPts val="0"/>
-              </a:spcAft>
-              <a:buSzPts val="2560"/>
-              <a:buFont typeface="+mj-lt"/>
-              <a:buAutoNum type="arabicPeriod"/>
-            </a:pPr>
-            <a:r>
-              <a:rPr lang="uk-UA" dirty="0"/>
-              <a:t>Повернення значення подібності та унікальних для вакансії ключових слів</a:t>
-            </a:r>
             <a:endParaRPr dirty="0"/>
           </a:p>
         </p:txBody>
@@ -14711,6 +14629,36 @@
           </a:p>
         </p:txBody>
       </p:sp>
+      <p:pic>
+        <p:nvPicPr>
+          <p:cNvPr id="4" name="Picture 3">
+            <a:extLst>
+              <a:ext uri="{FF2B5EF4-FFF2-40B4-BE49-F238E27FC236}">
+                <a16:creationId xmlns:a16="http://schemas.microsoft.com/office/drawing/2014/main" id="{BCA2FF5F-7DA8-442C-BFE9-2BD915714856}"/>
+              </a:ext>
+            </a:extLst>
+          </p:cNvPr>
+          <p:cNvPicPr>
+            <a:picLocks noChangeAspect="1"/>
+          </p:cNvPicPr>
+          <p:nvPr/>
+        </p:nvPicPr>
+        <p:blipFill>
+          <a:blip r:embed="rId3"/>
+          <a:stretch>
+            <a:fillRect/>
+          </a:stretch>
+        </p:blipFill>
+        <p:spPr>
+          <a:xfrm>
+            <a:off x="4544621" y="1028513"/>
+            <a:ext cx="1280173" cy="4057650"/>
+          </a:xfrm>
+          <a:prstGeom prst="rect">
+            <a:avLst/>
+          </a:prstGeom>
+        </p:spPr>
+      </p:pic>
     </p:spTree>
     <p:extLst>
       <p:ext uri="{BB962C8B-B14F-4D97-AF65-F5344CB8AC3E}">
@@ -19768,125 +19716,6 @@
       </p:sp>
       <p:sp>
         <p:nvSpPr>
-          <p:cNvPr id="137" name="Google Shape;137;p19"/>
-          <p:cNvSpPr txBox="1">
-            <a:spLocks noGrp="1"/>
-          </p:cNvSpPr>
-          <p:nvPr>
-            <p:ph type="body" idx="1"/>
-          </p:nvPr>
-        </p:nvSpPr>
-        <p:spPr>
-          <a:xfrm>
-            <a:off x="1435608" y="1085850"/>
-            <a:ext cx="7498200" cy="3600600"/>
-          </a:xfrm>
-          <a:prstGeom prst="rect">
-            <a:avLst/>
-          </a:prstGeom>
-          <a:noFill/>
-          <a:ln>
-            <a:noFill/>
-          </a:ln>
-        </p:spPr>
-        <p:txBody>
-          <a:bodyPr spcFirstLastPara="1" wrap="square" lIns="91425" tIns="45700" rIns="91425" bIns="45700" anchor="t" anchorCtr="0">
-            <a:normAutofit/>
-          </a:bodyPr>
-          <a:lstStyle/>
-          <a:p>
-            <a:pPr marL="514350" marR="0" lvl="0" indent="-514350" algn="l" rtl="0">
-              <a:lnSpc>
-                <a:spcPct val="100000"/>
-              </a:lnSpc>
-              <a:spcBef>
-                <a:spcPts val="0"/>
-              </a:spcBef>
-              <a:spcAft>
-                <a:spcPts val="0"/>
-              </a:spcAft>
-              <a:buSzPts val="2560"/>
-              <a:buFont typeface="+mj-lt"/>
-              <a:buAutoNum type="arabicPeriod"/>
-            </a:pPr>
-            <a:r>
-              <a:rPr lang="uk-UA" dirty="0"/>
-              <a:t>Збір посилань на компанії</a:t>
-            </a:r>
-          </a:p>
-          <a:p>
-            <a:pPr marL="514350" marR="0" lvl="0" indent="-514350" algn="l" rtl="0">
-              <a:lnSpc>
-                <a:spcPct val="100000"/>
-              </a:lnSpc>
-              <a:spcBef>
-                <a:spcPts val="0"/>
-              </a:spcBef>
-              <a:spcAft>
-                <a:spcPts val="0"/>
-              </a:spcAft>
-              <a:buSzPts val="2560"/>
-              <a:buFont typeface="+mj-lt"/>
-              <a:buAutoNum type="arabicPeriod"/>
-            </a:pPr>
-            <a:r>
-              <a:rPr lang="uk-UA" dirty="0"/>
-              <a:t>Збір вакансій кожної компанії</a:t>
-            </a:r>
-          </a:p>
-          <a:p>
-            <a:pPr marL="514350" marR="0" lvl="0" indent="-514350" algn="l" rtl="0">
-              <a:lnSpc>
-                <a:spcPct val="100000"/>
-              </a:lnSpc>
-              <a:spcBef>
-                <a:spcPts val="0"/>
-              </a:spcBef>
-              <a:spcAft>
-                <a:spcPts val="0"/>
-              </a:spcAft>
-              <a:buSzPts val="2560"/>
-              <a:buFont typeface="+mj-lt"/>
-              <a:buAutoNum type="arabicPeriod"/>
-            </a:pPr>
-            <a:r>
-              <a:rPr lang="uk-UA" dirty="0"/>
-              <a:t>Запис вакансій в базу даних</a:t>
-            </a:r>
-          </a:p>
-          <a:p>
-            <a:pPr marL="514350" marR="0" lvl="0" indent="-514350" algn="l" rtl="0">
-              <a:lnSpc>
-                <a:spcPct val="100000"/>
-              </a:lnSpc>
-              <a:spcBef>
-                <a:spcPts val="0"/>
-              </a:spcBef>
-              <a:spcAft>
-                <a:spcPts val="0"/>
-              </a:spcAft>
-              <a:buSzPts val="2560"/>
-              <a:buFont typeface="+mj-lt"/>
-              <a:buAutoNum type="arabicPeriod"/>
-            </a:pPr>
-            <a:r>
-              <a:rPr lang="uk-UA" dirty="0"/>
-              <a:t>Очищення, переклад та </a:t>
-            </a:r>
-            <a:r>
-              <a:rPr lang="uk-UA" dirty="0" err="1"/>
-              <a:t>векторизація</a:t>
-            </a:r>
-            <a:r>
-              <a:rPr lang="uk-UA" dirty="0"/>
-              <a:t> вакансій</a:t>
-            </a:r>
-            <a:endParaRPr dirty="0"/>
-          </a:p>
-        </p:txBody>
-      </p:sp>
-      <p:sp>
-        <p:nvSpPr>
           <p:cNvPr id="2" name="Slide Number Placeholder 1">
             <a:extLst>
               <a:ext uri="{FF2B5EF4-FFF2-40B4-BE49-F238E27FC236}">
@@ -19920,6 +19749,61 @@
               <a:t>9</a:t>
             </a:fld>
             <a:endParaRPr lang="uk-UA"/>
+          </a:p>
+        </p:txBody>
+      </p:sp>
+      <p:pic>
+        <p:nvPicPr>
+          <p:cNvPr id="4" name="Picture 3">
+            <a:extLst>
+              <a:ext uri="{FF2B5EF4-FFF2-40B4-BE49-F238E27FC236}">
+                <a16:creationId xmlns:a16="http://schemas.microsoft.com/office/drawing/2014/main" id="{0EBB6141-1683-40E2-9377-B6D0B6E046F3}"/>
+              </a:ext>
+            </a:extLst>
+          </p:cNvPr>
+          <p:cNvPicPr>
+            <a:picLocks noChangeAspect="1"/>
+          </p:cNvPicPr>
+          <p:nvPr/>
+        </p:nvPicPr>
+        <p:blipFill>
+          <a:blip r:embed="rId3"/>
+          <a:stretch>
+            <a:fillRect/>
+          </a:stretch>
+        </p:blipFill>
+        <p:spPr>
+          <a:xfrm>
+            <a:off x="4437204" y="1085849"/>
+            <a:ext cx="1315783" cy="3821813"/>
+          </a:xfrm>
+          <a:prstGeom prst="rect">
+            <a:avLst/>
+          </a:prstGeom>
+        </p:spPr>
+      </p:pic>
+      <p:sp>
+        <p:nvSpPr>
+          <p:cNvPr id="6" name="Text Placeholder 5">
+            <a:extLst>
+              <a:ext uri="{FF2B5EF4-FFF2-40B4-BE49-F238E27FC236}">
+                <a16:creationId xmlns:a16="http://schemas.microsoft.com/office/drawing/2014/main" id="{8E4BD97B-340E-42BB-A1BA-EFA91664AA46}"/>
+              </a:ext>
+            </a:extLst>
+          </p:cNvPr>
+          <p:cNvSpPr>
+            <a:spLocks noGrp="1"/>
+          </p:cNvSpPr>
+          <p:nvPr>
+            <p:ph type="body" idx="1"/>
+          </p:nvPr>
+        </p:nvSpPr>
+        <p:spPr/>
+        <p:txBody>
+          <a:bodyPr/>
+          <a:lstStyle/>
+          <a:p>
+            <a:endParaRPr lang="en-US" dirty="0"/>
           </a:p>
         </p:txBody>
       </p:sp>

--- a/docs/Common/доповідь.pptx
+++ b/docs/Common/доповідь.pptx
@@ -33,21 +33,18 @@
   <p:notesSz cx="6858000" cy="9144000"/>
   <p:embeddedFontLst>
     <p:embeddedFont>
-      <p:font typeface="Gill Sans" panose="020B0604020202020204" charset="0"/>
+      <p:font typeface="Cambria Math" panose="02040503050406030204" pitchFamily="18" charset="0"/>
       <p:regular r:id="rId23"/>
-      <p:bold r:id="rId24"/>
+    </p:embeddedFont>
+    <p:embeddedFont>
+      <p:font typeface="Gill Sans" panose="020B0502020104020203" pitchFamily="34" charset="-79"/>
+      <p:regular r:id="rId24"/>
+      <p:bold r:id="rId25"/>
     </p:embeddedFont>
     <p:embeddedFont>
       <p:font typeface="Noto Sans Symbols" pitchFamily="2" charset="0"/>
-      <p:regular r:id="rId25"/>
-      <p:bold r:id="rId26"/>
-    </p:embeddedFont>
-    <p:embeddedFont>
-      <p:font typeface="Verdana" panose="020B0604030504040204" pitchFamily="34" charset="0"/>
-      <p:regular r:id="rId27"/>
-      <p:bold r:id="rId28"/>
-      <p:italic r:id="rId29"/>
-      <p:boldItalic r:id="rId30"/>
+      <p:regular r:id="rId26"/>
+      <p:bold r:id="rId27"/>
     </p:embeddedFont>
   </p:embeddedFontLst>
   <p:defaultTextStyle>
@@ -13900,10 +13897,6 @@
           </p:nvPr>
         </p:nvSpPr>
         <p:spPr>
-          <a:xfrm>
-            <a:off x="1435608" y="205978"/>
-            <a:ext cx="7498200" cy="857400"/>
-          </a:xfrm>
           <a:prstGeom prst="rect">
             <a:avLst/>
           </a:prstGeom>
@@ -13936,53 +13929,6 @@
               <a:rPr lang="uk-UA" dirty="0"/>
               <a:t>Алгоритм підбору вакансій</a:t>
             </a:r>
-            <a:endParaRPr dirty="0"/>
-          </a:p>
-        </p:txBody>
-      </p:sp>
-      <p:sp>
-        <p:nvSpPr>
-          <p:cNvPr id="137" name="Google Shape;137;p19"/>
-          <p:cNvSpPr txBox="1">
-            <a:spLocks noGrp="1"/>
-          </p:cNvSpPr>
-          <p:nvPr>
-            <p:ph type="body" idx="1"/>
-          </p:nvPr>
-        </p:nvSpPr>
-        <p:spPr>
-          <a:xfrm>
-            <a:off x="1435608" y="1085850"/>
-            <a:ext cx="7498200" cy="3600600"/>
-          </a:xfrm>
-          <a:prstGeom prst="rect">
-            <a:avLst/>
-          </a:prstGeom>
-          <a:noFill/>
-          <a:ln>
-            <a:noFill/>
-          </a:ln>
-        </p:spPr>
-        <p:txBody>
-          <a:bodyPr spcFirstLastPara="1" wrap="square" lIns="91425" tIns="45700" rIns="91425" bIns="45700" anchor="t" anchorCtr="0">
-            <a:normAutofit/>
-          </a:bodyPr>
-          <a:lstStyle/>
-          <a:p>
-            <a:pPr marL="514350" marR="0" lvl="0" indent="-514350" algn="l" rtl="0">
-              <a:lnSpc>
-                <a:spcPct val="100000"/>
-              </a:lnSpc>
-              <a:spcBef>
-                <a:spcPts val="0"/>
-              </a:spcBef>
-              <a:spcAft>
-                <a:spcPts val="0"/>
-              </a:spcAft>
-              <a:buSzPts val="2560"/>
-              <a:buFont typeface="+mj-lt"/>
-              <a:buAutoNum type="arabicPeriod"/>
-            </a:pPr>
             <a:endParaRPr dirty="0"/>
           </a:p>
         </p:txBody>
@@ -14047,7 +13993,7 @@
         </p:blipFill>
         <p:spPr>
           <a:xfrm>
-            <a:off x="4594011" y="1028513"/>
+            <a:off x="2386930" y="1028513"/>
             <a:ext cx="1181394" cy="4057650"/>
           </a:xfrm>
           <a:prstGeom prst="rect">
@@ -14055,6 +14001,437 @@
           </a:prstGeom>
         </p:spPr>
       </p:pic>
+      <mc:AlternateContent xmlns:mc="http://schemas.openxmlformats.org/markup-compatibility/2006">
+        <mc:Choice xmlns:a14="http://schemas.microsoft.com/office/drawing/2010/main" Requires="a14">
+          <p:sp>
+            <p:nvSpPr>
+              <p:cNvPr id="5" name="TextBox 4">
+                <a:extLst>
+                  <a:ext uri="{FF2B5EF4-FFF2-40B4-BE49-F238E27FC236}">
+                    <a16:creationId xmlns:a16="http://schemas.microsoft.com/office/drawing/2014/main" id="{EFD2F721-C874-0B4C-9456-6E6C1B3534D1}"/>
+                  </a:ext>
+                </a:extLst>
+              </p:cNvPr>
+              <p:cNvSpPr txBox="1"/>
+              <p:nvPr/>
+            </p:nvSpPr>
+            <p:spPr>
+              <a:xfrm>
+                <a:off x="5297543" y="2985680"/>
+                <a:ext cx="2056304" cy="496483"/>
+              </a:xfrm>
+              <a:prstGeom prst="rect">
+                <a:avLst/>
+              </a:prstGeom>
+              <a:noFill/>
+            </p:spPr>
+            <p:txBody>
+              <a:bodyPr wrap="square">
+                <a:spAutoFit/>
+              </a:bodyPr>
+              <a:lstStyle/>
+              <a:p>
+                <a:pPr/>
+                <a14:m>
+                  <m:oMathPara xmlns:m="http://schemas.openxmlformats.org/officeDocument/2006/math">
+                    <m:oMathParaPr>
+                      <m:jc m:val="centerGroup"/>
+                    </m:oMathParaPr>
+                    <m:oMath xmlns:m="http://schemas.openxmlformats.org/officeDocument/2006/math">
+                      <m:r>
+                        <a:rPr lang="en-UA" i="1" smtClean="0">
+                          <a:latin typeface="Cambria Math" panose="02040503050406030204" pitchFamily="18" charset="0"/>
+                        </a:rPr>
+                        <m:t>𝑐𝑜𝑠</m:t>
+                      </m:r>
+                      <m:r>
+                        <a:rPr lang="en-UA" i="0">
+                          <a:latin typeface="Cambria Math" panose="02040503050406030204" pitchFamily="18" charset="0"/>
+                        </a:rPr>
+                        <m:t>=</m:t>
+                      </m:r>
+                      <m:f>
+                        <m:fPr>
+                          <m:ctrlPr>
+                            <a:rPr lang="en-UA" i="1">
+                              <a:solidFill>
+                                <a:srgbClr val="836967"/>
+                              </a:solidFill>
+                              <a:latin typeface="Cambria Math" panose="02040503050406030204" pitchFamily="18" charset="0"/>
+                            </a:rPr>
+                          </m:ctrlPr>
+                        </m:fPr>
+                        <m:num>
+                          <m:sSub>
+                            <m:sSubPr>
+                              <m:ctrlPr>
+                                <a:rPr lang="en-UA" i="1">
+                                  <a:solidFill>
+                                    <a:srgbClr val="836967"/>
+                                  </a:solidFill>
+                                  <a:latin typeface="Cambria Math" panose="02040503050406030204" pitchFamily="18" charset="0"/>
+                                </a:rPr>
+                              </m:ctrlPr>
+                            </m:sSubPr>
+                            <m:e>
+                              <m:r>
+                                <a:rPr lang="en-UA" i="1">
+                                  <a:latin typeface="Cambria Math" panose="02040503050406030204" pitchFamily="18" charset="0"/>
+                                </a:rPr>
+                                <m:t>𝜔</m:t>
+                              </m:r>
+                            </m:e>
+                            <m:sub>
+                              <m:r>
+                                <a:rPr lang="en-UA" i="0">
+                                  <a:latin typeface="Cambria Math" panose="02040503050406030204" pitchFamily="18" charset="0"/>
+                                </a:rPr>
+                                <m:t>1</m:t>
+                              </m:r>
+                            </m:sub>
+                          </m:sSub>
+                          <m:sSub>
+                            <m:sSubPr>
+                              <m:ctrlPr>
+                                <a:rPr lang="en-UA" i="1">
+                                  <a:solidFill>
+                                    <a:srgbClr val="836967"/>
+                                  </a:solidFill>
+                                  <a:latin typeface="Cambria Math" panose="02040503050406030204" pitchFamily="18" charset="0"/>
+                                </a:rPr>
+                              </m:ctrlPr>
+                            </m:sSubPr>
+                            <m:e>
+                              <m:r>
+                                <a:rPr lang="en-UA" i="1">
+                                  <a:latin typeface="Cambria Math" panose="02040503050406030204" pitchFamily="18" charset="0"/>
+                                </a:rPr>
+                                <m:t>𝜔</m:t>
+                              </m:r>
+                            </m:e>
+                            <m:sub>
+                              <m:r>
+                                <a:rPr lang="en-UA" i="0">
+                                  <a:latin typeface="Cambria Math" panose="02040503050406030204" pitchFamily="18" charset="0"/>
+                                </a:rPr>
+                                <m:t>2</m:t>
+                              </m:r>
+                            </m:sub>
+                          </m:sSub>
+                          <m:r>
+                            <a:rPr lang="en-UA" i="0">
+                              <a:latin typeface="Cambria Math" panose="02040503050406030204" pitchFamily="18" charset="0"/>
+                            </a:rPr>
+                            <m:t> </m:t>
+                          </m:r>
+                        </m:num>
+                        <m:den>
+                          <m:d>
+                            <m:dPr>
+                              <m:begChr m:val="‖"/>
+                              <m:endChr m:val="‖"/>
+                              <m:ctrlPr>
+                                <a:rPr lang="en-UA" i="1">
+                                  <a:solidFill>
+                                    <a:srgbClr val="836967"/>
+                                  </a:solidFill>
+                                  <a:latin typeface="Cambria Math" panose="02040503050406030204" pitchFamily="18" charset="0"/>
+                                </a:rPr>
+                              </m:ctrlPr>
+                            </m:dPr>
+                            <m:e>
+                              <m:sSub>
+                                <m:sSubPr>
+                                  <m:ctrlPr>
+                                    <a:rPr lang="en-UA" i="1">
+                                      <a:solidFill>
+                                        <a:srgbClr val="836967"/>
+                                      </a:solidFill>
+                                      <a:latin typeface="Cambria Math" panose="02040503050406030204" pitchFamily="18" charset="0"/>
+                                    </a:rPr>
+                                  </m:ctrlPr>
+                                </m:sSubPr>
+                                <m:e>
+                                  <m:r>
+                                    <a:rPr lang="en-UA" i="1">
+                                      <a:latin typeface="Cambria Math" panose="02040503050406030204" pitchFamily="18" charset="0"/>
+                                    </a:rPr>
+                                    <m:t>𝜔</m:t>
+                                  </m:r>
+                                </m:e>
+                                <m:sub>
+                                  <m:r>
+                                    <a:rPr lang="en-UA" i="0">
+                                      <a:latin typeface="Cambria Math" panose="02040503050406030204" pitchFamily="18" charset="0"/>
+                                    </a:rPr>
+                                    <m:t>1</m:t>
+                                  </m:r>
+                                </m:sub>
+                              </m:sSub>
+                              <m:r>
+                                <a:rPr lang="en-UA" i="0">
+                                  <a:latin typeface="Cambria Math" panose="02040503050406030204" pitchFamily="18" charset="0"/>
+                                </a:rPr>
+                                <m:t> </m:t>
+                              </m:r>
+                            </m:e>
+                          </m:d>
+                          <m:r>
+                            <a:rPr lang="en-UA" i="0">
+                              <a:latin typeface="Cambria Math" panose="02040503050406030204" pitchFamily="18" charset="0"/>
+                            </a:rPr>
+                            <m:t>∙</m:t>
+                          </m:r>
+                          <m:d>
+                            <m:dPr>
+                              <m:begChr m:val="‖"/>
+                              <m:endChr m:val="‖"/>
+                              <m:ctrlPr>
+                                <a:rPr lang="en-UA" i="1">
+                                  <a:solidFill>
+                                    <a:srgbClr val="836967"/>
+                                  </a:solidFill>
+                                  <a:latin typeface="Cambria Math" panose="02040503050406030204" pitchFamily="18" charset="0"/>
+                                </a:rPr>
+                              </m:ctrlPr>
+                            </m:dPr>
+                            <m:e>
+                              <m:sSub>
+                                <m:sSubPr>
+                                  <m:ctrlPr>
+                                    <a:rPr lang="en-UA" i="1">
+                                      <a:solidFill>
+                                        <a:srgbClr val="836967"/>
+                                      </a:solidFill>
+                                      <a:latin typeface="Cambria Math" panose="02040503050406030204" pitchFamily="18" charset="0"/>
+                                    </a:rPr>
+                                  </m:ctrlPr>
+                                </m:sSubPr>
+                                <m:e>
+                                  <m:r>
+                                    <a:rPr lang="en-UA" i="1">
+                                      <a:latin typeface="Cambria Math" panose="02040503050406030204" pitchFamily="18" charset="0"/>
+                                    </a:rPr>
+                                    <m:t>𝜔</m:t>
+                                  </m:r>
+                                </m:e>
+                                <m:sub>
+                                  <m:r>
+                                    <a:rPr lang="en-UA" i="0">
+                                      <a:latin typeface="Cambria Math" panose="02040503050406030204" pitchFamily="18" charset="0"/>
+                                    </a:rPr>
+                                    <m:t>2</m:t>
+                                  </m:r>
+                                </m:sub>
+                              </m:sSub>
+                              <m:r>
+                                <a:rPr lang="en-UA" i="0">
+                                  <a:latin typeface="Cambria Math" panose="02040503050406030204" pitchFamily="18" charset="0"/>
+                                </a:rPr>
+                                <m:t> </m:t>
+                              </m:r>
+                            </m:e>
+                          </m:d>
+                        </m:den>
+                      </m:f>
+                    </m:oMath>
+                  </m:oMathPara>
+                </a14:m>
+                <a:endParaRPr lang="en-UA" dirty="0"/>
+              </a:p>
+            </p:txBody>
+          </p:sp>
+        </mc:Choice>
+        <mc:Fallback>
+          <p:sp>
+            <p:nvSpPr>
+              <p:cNvPr id="5" name="TextBox 4">
+                <a:extLst>
+                  <a:ext uri="{FF2B5EF4-FFF2-40B4-BE49-F238E27FC236}">
+                    <a16:creationId xmlns:a16="http://schemas.microsoft.com/office/drawing/2014/main" id="{EFD2F721-C874-0B4C-9456-6E6C1B3534D1}"/>
+                  </a:ext>
+                </a:extLst>
+              </p:cNvPr>
+              <p:cNvSpPr txBox="1">
+                <a:spLocks noRot="1" noChangeAspect="1" noMove="1" noResize="1" noEditPoints="1" noAdjustHandles="1" noChangeArrowheads="1" noChangeShapeType="1" noTextEdit="1"/>
+              </p:cNvSpPr>
+              <p:nvPr/>
+            </p:nvSpPr>
+            <p:spPr>
+              <a:xfrm>
+                <a:off x="5297543" y="2985680"/>
+                <a:ext cx="2056304" cy="496483"/>
+              </a:xfrm>
+              <a:prstGeom prst="rect">
+                <a:avLst/>
+              </a:prstGeom>
+              <a:blipFill>
+                <a:blip r:embed="rId4"/>
+                <a:stretch>
+                  <a:fillRect t="-7500" b="-7500"/>
+                </a:stretch>
+              </a:blipFill>
+            </p:spPr>
+            <p:txBody>
+              <a:bodyPr/>
+              <a:lstStyle/>
+              <a:p>
+                <a:r>
+                  <a:rPr lang="en-UA">
+                    <a:noFill/>
+                  </a:rPr>
+                  <a:t> </a:t>
+                </a:r>
+              </a:p>
+            </p:txBody>
+          </p:sp>
+        </mc:Fallback>
+      </mc:AlternateContent>
+      <p:sp>
+        <p:nvSpPr>
+          <p:cNvPr id="9" name="TextBox 8">
+            <a:extLst>
+              <a:ext uri="{FF2B5EF4-FFF2-40B4-BE49-F238E27FC236}">
+                <a16:creationId xmlns:a16="http://schemas.microsoft.com/office/drawing/2014/main" id="{FD167345-B2B9-9BEB-5D14-E94C6A87CD8E}"/>
+              </a:ext>
+            </a:extLst>
+          </p:cNvPr>
+          <p:cNvSpPr txBox="1"/>
+          <p:nvPr/>
+        </p:nvSpPr>
+        <p:spPr>
+          <a:xfrm>
+            <a:off x="4037742" y="2310140"/>
+            <a:ext cx="4575906" cy="523220"/>
+          </a:xfrm>
+          <a:prstGeom prst="rect">
+            <a:avLst/>
+          </a:prstGeom>
+          <a:noFill/>
+        </p:spPr>
+        <p:txBody>
+          <a:bodyPr wrap="square">
+            <a:spAutoFit/>
+          </a:bodyPr>
+          <a:lstStyle/>
+          <a:p>
+            <a:pPr algn="ctr"/>
+            <a:r>
+              <a:rPr lang="ru-RU" dirty="0" err="1">
+                <a:solidFill>
+                  <a:schemeClr val="tx1"/>
+                </a:solidFill>
+              </a:rPr>
+              <a:t>Оцінка</a:t>
+            </a:r>
+            <a:r>
+              <a:rPr lang="ru-RU" dirty="0">
+                <a:solidFill>
+                  <a:schemeClr val="tx1"/>
+                </a:solidFill>
+              </a:rPr>
+              <a:t> </a:t>
+            </a:r>
+            <a:r>
+              <a:rPr lang="ru-RU" dirty="0" err="1">
+                <a:solidFill>
+                  <a:schemeClr val="tx1"/>
+                </a:solidFill>
+              </a:rPr>
+              <a:t>релевантності</a:t>
+            </a:r>
+            <a:r>
+              <a:rPr lang="ru-RU" dirty="0">
+                <a:solidFill>
+                  <a:schemeClr val="tx1"/>
+                </a:solidFill>
+              </a:rPr>
+              <a:t> на </a:t>
+            </a:r>
+            <a:r>
+              <a:rPr lang="ru-RU" dirty="0" err="1">
+                <a:solidFill>
+                  <a:schemeClr val="tx1"/>
+                </a:solidFill>
+              </a:rPr>
+              <a:t>основі</a:t>
+            </a:r>
+            <a:r>
+              <a:rPr lang="ru-RU" dirty="0">
+                <a:solidFill>
+                  <a:schemeClr val="tx1"/>
+                </a:solidFill>
+              </a:rPr>
+              <a:t> </a:t>
+            </a:r>
+            <a:r>
+              <a:rPr lang="ru-RU" dirty="0" err="1">
+                <a:solidFill>
+                  <a:schemeClr val="tx1"/>
+                </a:solidFill>
+              </a:rPr>
+              <a:t>косинусної</a:t>
+            </a:r>
+            <a:r>
+              <a:rPr lang="ru-RU" dirty="0">
+                <a:solidFill>
+                  <a:schemeClr val="tx1"/>
+                </a:solidFill>
+              </a:rPr>
+              <a:t> </a:t>
+            </a:r>
+            <a:r>
+              <a:rPr lang="ru-RU" dirty="0" err="1">
+                <a:solidFill>
+                  <a:schemeClr val="tx1"/>
+                </a:solidFill>
+              </a:rPr>
+              <a:t>подібності</a:t>
+            </a:r>
+            <a:r>
+              <a:rPr lang="ru-RU" dirty="0">
+                <a:solidFill>
+                  <a:schemeClr val="tx1"/>
+                </a:solidFill>
+              </a:rPr>
+              <a:t> </a:t>
+            </a:r>
+            <a:r>
+              <a:rPr lang="ru-RU" dirty="0" err="1">
+                <a:solidFill>
+                  <a:schemeClr val="tx1"/>
+                </a:solidFill>
+              </a:rPr>
+              <a:t>між</a:t>
+            </a:r>
+            <a:r>
+              <a:rPr lang="ru-RU" dirty="0">
+                <a:solidFill>
+                  <a:schemeClr val="tx1"/>
+                </a:solidFill>
+              </a:rPr>
+              <a:t> вектором </a:t>
+            </a:r>
+            <a:r>
+              <a:rPr lang="ru-RU" dirty="0" err="1">
+                <a:solidFill>
+                  <a:schemeClr val="tx1"/>
+                </a:solidFill>
+              </a:rPr>
+              <a:t>вакансії</a:t>
+            </a:r>
+            <a:r>
+              <a:rPr lang="ru-RU" dirty="0">
+                <a:solidFill>
+                  <a:schemeClr val="tx1"/>
+                </a:solidFill>
+              </a:rPr>
+              <a:t> та резюме</a:t>
+            </a:r>
+            <a:endParaRPr lang="en-UA" dirty="0"/>
+          </a:p>
+        </p:txBody>
+      </p:sp>
     </p:spTree>
     <p:extLst>
       <p:ext uri="{BB962C8B-B14F-4D97-AF65-F5344CB8AC3E}">

--- a/docs/Common/доповідь.pptx
+++ b/docs/Common/доповідь.pptx
@@ -37,7 +37,7 @@
       <p:regular r:id="rId23"/>
     </p:embeddedFont>
     <p:embeddedFont>
-      <p:font typeface="Gill Sans" panose="020B0502020104020203" pitchFamily="34" charset="-79"/>
+      <p:font typeface="Gill Sans" panose="020B0604020202020204" charset="0"/>
       <p:regular r:id="rId24"/>
       <p:bold r:id="rId25"/>
     </p:embeddedFont>
@@ -45,6 +45,13 @@
       <p:font typeface="Noto Sans Symbols" pitchFamily="2" charset="0"/>
       <p:regular r:id="rId26"/>
       <p:bold r:id="rId27"/>
+    </p:embeddedFont>
+    <p:embeddedFont>
+      <p:font typeface="Verdana" panose="020B0604030504040204" pitchFamily="34" charset="0"/>
+      <p:regular r:id="rId28"/>
+      <p:bold r:id="rId29"/>
+      <p:italic r:id="rId30"/>
+      <p:boldItalic r:id="rId31"/>
     </p:embeddedFont>
   </p:embeddedFontLst>
   <p:defaultTextStyle>
@@ -14001,8 +14008,8 @@
           </a:prstGeom>
         </p:spPr>
       </p:pic>
-      <mc:AlternateContent xmlns:mc="http://schemas.openxmlformats.org/markup-compatibility/2006">
-        <mc:Choice xmlns:a14="http://schemas.microsoft.com/office/drawing/2010/main" Requires="a14">
+      <mc:AlternateContent xmlns:mc="http://schemas.openxmlformats.org/markup-compatibility/2006" xmlns:a14="http://schemas.microsoft.com/office/drawing/2010/main">
+        <mc:Choice Requires="a14">
           <p:sp>
             <p:nvSpPr>
               <p:cNvPr id="5" name="TextBox 4">
@@ -14242,7 +14249,7 @@
             </p:txBody>
           </p:sp>
         </mc:Choice>
-        <mc:Fallback>
+        <mc:Fallback xmlns="">
           <p:sp>
             <p:nvSpPr>
               <p:cNvPr id="5" name="TextBox 4">
@@ -15008,32 +15015,49 @@
       </p:sp>
       <p:pic>
         <p:nvPicPr>
-          <p:cNvPr id="4" name="Picture 3">
+          <p:cNvPr id="1026" name="Picture 2">
             <a:extLst>
               <a:ext uri="{FF2B5EF4-FFF2-40B4-BE49-F238E27FC236}">
-                <a16:creationId xmlns:a16="http://schemas.microsoft.com/office/drawing/2014/main" id="{BCA2FF5F-7DA8-442C-BFE9-2BD915714856}"/>
+                <a16:creationId xmlns:a16="http://schemas.microsoft.com/office/drawing/2014/main" id="{549F7BB3-449E-44DC-BF89-9D74F71254C3}"/>
               </a:ext>
             </a:extLst>
           </p:cNvPr>
           <p:cNvPicPr>
-            <a:picLocks noChangeAspect="1"/>
+            <a:picLocks noChangeAspect="1" noChangeArrowheads="1"/>
           </p:cNvPicPr>
           <p:nvPr/>
         </p:nvPicPr>
         <p:blipFill>
-          <a:blip r:embed="rId3"/>
+          <a:blip r:embed="rId3">
+            <a:extLst>
+              <a:ext uri="{28A0092B-C50C-407E-A947-70E740481C1C}">
+                <a14:useLocalDpi xmlns:a14="http://schemas.microsoft.com/office/drawing/2010/main" val="0"/>
+              </a:ext>
+            </a:extLst>
+          </a:blip>
+          <a:srcRect/>
           <a:stretch>
             <a:fillRect/>
           </a:stretch>
         </p:blipFill>
-        <p:spPr>
+        <p:spPr bwMode="auto">
           <a:xfrm>
-            <a:off x="4544621" y="1028513"/>
-            <a:ext cx="1280173" cy="4057650"/>
+            <a:off x="3927931" y="1008785"/>
+            <a:ext cx="2525495" cy="4134715"/>
           </a:xfrm>
           <a:prstGeom prst="rect">
             <a:avLst/>
           </a:prstGeom>
+          <a:noFill/>
+          <a:extLst>
+            <a:ext uri="{909E8E84-426E-40DD-AFC4-6F175D3DCCD1}">
+              <a14:hiddenFill xmlns:a14="http://schemas.microsoft.com/office/drawing/2010/main">
+                <a:solidFill>
+                  <a:srgbClr val="FFFFFF"/>
+                </a:solidFill>
+              </a14:hiddenFill>
+            </a:ext>
+          </a:extLst>
         </p:spPr>
       </p:pic>
     </p:spTree>

--- a/docs/Common/доповідь.pptx
+++ b/docs/Common/доповідь.pptx
@@ -15015,10 +15015,10 @@
       </p:sp>
       <p:pic>
         <p:nvPicPr>
-          <p:cNvPr id="1026" name="Picture 2">
+          <p:cNvPr id="1028" name="Picture 4">
             <a:extLst>
               <a:ext uri="{FF2B5EF4-FFF2-40B4-BE49-F238E27FC236}">
-                <a16:creationId xmlns:a16="http://schemas.microsoft.com/office/drawing/2014/main" id="{549F7BB3-449E-44DC-BF89-9D74F71254C3}"/>
+                <a16:creationId xmlns:a16="http://schemas.microsoft.com/office/drawing/2014/main" id="{5A47082A-4149-4997-9845-D5D87F785BC2}"/>
               </a:ext>
             </a:extLst>
           </p:cNvPr>
@@ -15042,8 +15042,8 @@
         </p:blipFill>
         <p:spPr bwMode="auto">
           <a:xfrm>
-            <a:off x="3927931" y="1008785"/>
-            <a:ext cx="2525495" cy="4134715"/>
+            <a:off x="3938633" y="1006041"/>
+            <a:ext cx="2492149" cy="4080122"/>
           </a:xfrm>
           <a:prstGeom prst="rect">
             <a:avLst/>
